--- a/temp/table.pptx
+++ b/temp/table.pptx
@@ -3076,9 +3076,9 @@
             <a:tbl>
               <a:tblPr/>
               <a:tblGrid>
-                <a:gridCol w="3175000"/>
-                <a:gridCol w="3175000"/>
-                <a:gridCol w="3175000"/>
+                <a:gridCol w="1270000"/>
+                <a:gridCol w="1270000"/>
+                <a:gridCol w="1270000"/>
               </a:tblGrid>
               <a:tr h="635000">
                 <a:tc>
